--- a/3.2.The String Class.pptx
+++ b/3.2.The String Class.pptx
@@ -862,7 +862,7 @@
             <a:fld id="{B61BEF0D-F0BB-DE4B-95CE-6DB70DBA9567}" type="datetimeFigureOut">
               <a:rPr lang="en-US" dirty="0"/>
               <a:pPr/>
-              <a:t>7/10/2019</a:t>
+              <a:t>1/9/2020</a:t>
             </a:fld>
             <a:endParaRPr lang="en-US" dirty="0"/>
           </a:p>
@@ -1110,7 +1110,7 @@
             <a:fld id="{B61BEF0D-F0BB-DE4B-95CE-6DB70DBA9567}" type="datetimeFigureOut">
               <a:rPr lang="en-US" dirty="0"/>
               <a:pPr/>
-              <a:t>7/10/2019</a:t>
+              <a:t>1/9/2020</a:t>
             </a:fld>
             <a:endParaRPr lang="en-US" dirty="0"/>
           </a:p>
@@ -1421,7 +1421,7 @@
             <a:fld id="{B61BEF0D-F0BB-DE4B-95CE-6DB70DBA9567}" type="datetimeFigureOut">
               <a:rPr lang="en-US" dirty="0"/>
               <a:pPr/>
-              <a:t>7/10/2019</a:t>
+              <a:t>1/9/2020</a:t>
             </a:fld>
             <a:endParaRPr lang="en-US" dirty="0"/>
           </a:p>
@@ -1751,7 +1751,7 @@
             <a:fld id="{B61BEF0D-F0BB-DE4B-95CE-6DB70DBA9567}" type="datetimeFigureOut">
               <a:rPr lang="en-US" dirty="0"/>
               <a:pPr/>
-              <a:t>7/10/2019</a:t>
+              <a:t>1/9/2020</a:t>
             </a:fld>
             <a:endParaRPr lang="en-US" dirty="0"/>
           </a:p>
@@ -2062,7 +2062,7 @@
             <a:fld id="{B61BEF0D-F0BB-DE4B-95CE-6DB70DBA9567}" type="datetimeFigureOut">
               <a:rPr lang="en-US" dirty="0"/>
               <a:pPr/>
-              <a:t>7/10/2019</a:t>
+              <a:t>1/9/2020</a:t>
             </a:fld>
             <a:endParaRPr lang="en-US" dirty="0"/>
           </a:p>
@@ -2452,7 +2452,7 @@
             <a:fld id="{B61BEF0D-F0BB-DE4B-95CE-6DB70DBA9567}" type="datetimeFigureOut">
               <a:rPr lang="en-US" dirty="0"/>
               <a:pPr/>
-              <a:t>7/10/2019</a:t>
+              <a:t>1/9/2020</a:t>
             </a:fld>
             <a:endParaRPr lang="en-US" dirty="0"/>
           </a:p>
@@ -2618,7 +2618,7 @@
           <a:p>
             <a:fld id="{55C6B4A9-1611-4792-9094-5F34BCA07E0B}" type="datetimeFigureOut">
               <a:rPr lang="en-US" dirty="0"/>
-              <a:t>7/10/2019</a:t>
+              <a:t>1/9/2020</a:t>
             </a:fld>
             <a:endParaRPr lang="en-US" dirty="0"/>
           </a:p>
@@ -2794,7 +2794,7 @@
             <a:fld id="{B61BEF0D-F0BB-DE4B-95CE-6DB70DBA9567}" type="datetimeFigureOut">
               <a:rPr lang="en-US" dirty="0"/>
               <a:pPr/>
-              <a:t>7/10/2019</a:t>
+              <a:t>1/9/2020</a:t>
             </a:fld>
             <a:endParaRPr lang="en-US" dirty="0"/>
           </a:p>
@@ -2960,7 +2960,7 @@
           <a:p>
             <a:fld id="{42A54C80-263E-416B-A8E0-580EDEADCBDC}" type="datetimeFigureOut">
               <a:rPr lang="en-US" dirty="0"/>
-              <a:t>7/10/2019</a:t>
+              <a:t>1/9/2020</a:t>
             </a:fld>
             <a:endParaRPr lang="en-US" dirty="0"/>
           </a:p>
@@ -3203,7 +3203,7 @@
             <a:fld id="{B61BEF0D-F0BB-DE4B-95CE-6DB70DBA9567}" type="datetimeFigureOut">
               <a:rPr lang="en-US" dirty="0"/>
               <a:pPr/>
-              <a:t>7/10/2019</a:t>
+              <a:t>1/9/2020</a:t>
             </a:fld>
             <a:endParaRPr lang="en-US" dirty="0"/>
           </a:p>
@@ -3431,7 +3431,7 @@
           <a:p>
             <a:fld id="{42A54C80-263E-416B-A8E0-580EDEADCBDC}" type="datetimeFigureOut">
               <a:rPr lang="en-US" dirty="0"/>
-              <a:t>7/10/2019</a:t>
+              <a:t>1/9/2020</a:t>
             </a:fld>
             <a:endParaRPr lang="en-US" dirty="0"/>
           </a:p>
@@ -3801,7 +3801,7 @@
             <a:fld id="{B61BEF0D-F0BB-DE4B-95CE-6DB70DBA9567}" type="datetimeFigureOut">
               <a:rPr lang="en-US" dirty="0"/>
               <a:pPr/>
-              <a:t>7/10/2019</a:t>
+              <a:t>1/9/2020</a:t>
             </a:fld>
             <a:endParaRPr lang="en-US" dirty="0"/>
           </a:p>
@@ -3921,7 +3921,7 @@
             <a:fld id="{B61BEF0D-F0BB-DE4B-95CE-6DB70DBA9567}" type="datetimeFigureOut">
               <a:rPr lang="en-US" dirty="0"/>
               <a:pPr/>
-              <a:t>7/10/2019</a:t>
+              <a:t>1/9/2020</a:t>
             </a:fld>
             <a:endParaRPr lang="en-US" dirty="0"/>
           </a:p>
@@ -4013,7 +4013,7 @@
             <a:fld id="{B61BEF0D-F0BB-DE4B-95CE-6DB70DBA9567}" type="datetimeFigureOut">
               <a:rPr lang="en-US" dirty="0"/>
               <a:pPr/>
-              <a:t>7/10/2019</a:t>
+              <a:t>1/9/2020</a:t>
             </a:fld>
             <a:endParaRPr lang="en-US" dirty="0"/>
           </a:p>
@@ -4264,7 +4264,7 @@
           <a:p>
             <a:fld id="{42A54C80-263E-416B-A8E0-580EDEADCBDC}" type="datetimeFigureOut">
               <a:rPr lang="en-US" dirty="0"/>
-              <a:t>7/10/2019</a:t>
+              <a:t>1/9/2020</a:t>
             </a:fld>
             <a:endParaRPr lang="en-US" dirty="0"/>
           </a:p>
@@ -4566,7 +4566,7 @@
             <a:fld id="{B61BEF0D-F0BB-DE4B-95CE-6DB70DBA9567}" type="datetimeFigureOut">
               <a:rPr lang="en-US" dirty="0"/>
               <a:pPr/>
-              <a:t>7/10/2019</a:t>
+              <a:t>1/9/2020</a:t>
             </a:fld>
             <a:endParaRPr lang="en-US" dirty="0"/>
           </a:p>
@@ -5264,7 +5264,7 @@
             <a:fld id="{B61BEF0D-F0BB-DE4B-95CE-6DB70DBA9567}" type="datetimeFigureOut">
               <a:rPr lang="en-US" dirty="0"/>
               <a:pPr/>
-              <a:t>7/10/2019</a:t>
+              <a:t>1/9/2020</a:t>
             </a:fld>
             <a:endParaRPr lang="en-US" dirty="0"/>
           </a:p>
@@ -5933,19 +5933,11 @@
             </a:r>
             <a:r>
               <a:rPr lang="en-US" dirty="0" err="1"/>
-              <a:t>java.</a:t>
-            </a:r>
-            <a:r>
-              <a:rPr lang="en-US" err="1"/>
-              <a:t>lang</a:t>
-            </a:r>
-            <a:r>
-              <a:rPr lang="en-US"/>
-              <a:t>.String) </a:t>
+              <a:t>java.lang.String</a:t>
             </a:r>
             <a:r>
               <a:rPr lang="en-US" dirty="0"/>
-              <a:t>is a sequence of characters. String literals such as “Hello World” are instances of the String class.</a:t>
+              <a:t>) is a sequence of characters. String literals such as “Hello World” are instances of the String class.</a:t>
             </a:r>
           </a:p>
           <a:p>
@@ -5959,7 +5951,15 @@
             </a:r>
             <a:r>
               <a:rPr lang="en-US" dirty="0"/>
-              <a:t>, meaning there is know way of changing the state of a String object once it has been created. In order to “change” a String variable’s value, a new String is constructed, and the reference is reassigned.</a:t>
+              <a:t>, meaning there </a:t>
+            </a:r>
+            <a:r>
+              <a:rPr lang="en-US"/>
+              <a:t>is no </a:t>
+            </a:r>
+            <a:r>
+              <a:rPr lang="en-US" dirty="0"/>
+              <a:t>way of changing the state of a String object once it has been created. In order to “change” a String variable’s value, a new String is constructed, and the reference is reassigned.</a:t>
             </a:r>
           </a:p>
           <a:p>
